--- a/Interactive Report Generation.pptx
+++ b/Interactive Report Generation.pptx
@@ -109,13 +109,18 @@
       </a:defRPr>
     </a:lvl9pPr>
   </p:defaultTextStyle>
+  <p:extLst>
+    <p:ext uri="{EFAFB233-063F-42B5-8137-9DF3F51BA10A}">
+      <p15:sldGuideLst xmlns:p15="http://schemas.microsoft.com/office/powerpoint/2012/main"/>
+    </p:ext>
+  </p:extLst>
 </p:presentation>
 </file>
 
 <file path=ppt/revisionInfo.xml><?xml version="1.0" encoding="utf-8"?>
 <p1510:revInfo xmlns:a="http://schemas.openxmlformats.org/drawingml/2006/main" xmlns:r="http://schemas.openxmlformats.org/officeDocument/2006/relationships" xmlns:p1510="http://schemas.microsoft.com/office/powerpoint/2015/10/main">
   <p1510:revLst>
-    <p1510:client id="{D9084F09-7D0E-45B7-AF97-C478B57CAA59}" v="15" dt="2024-04-09T09:58:43.130"/>
+    <p1510:client id="{D9084F09-7D0E-45B7-AF97-C478B57CAA59}" v="17" dt="2024-04-11T08:42:37.635"/>
   </p1510:revLst>
 </p1510:revInfo>
 </file>
@@ -125,12 +130,12 @@
   <pc:docChgLst>
     <pc:chgData name="Rhys Davies" userId="a8f146e6-e95e-409b-8bd0-39e0f634a622" providerId="ADAL" clId="{D9084F09-7D0E-45B7-AF97-C478B57CAA59}"/>
     <pc:docChg chg="undo custSel addSld modSld">
-      <pc:chgData name="Rhys Davies" userId="a8f146e6-e95e-409b-8bd0-39e0f634a622" providerId="ADAL" clId="{D9084F09-7D0E-45B7-AF97-C478B57CAA59}" dt="2024-04-09T09:59:33.346" v="2525" actId="1076"/>
+      <pc:chgData name="Rhys Davies" userId="a8f146e6-e95e-409b-8bd0-39e0f634a622" providerId="ADAL" clId="{D9084F09-7D0E-45B7-AF97-C478B57CAA59}" dt="2024-04-11T08:42:44.745" v="2561" actId="1076"/>
       <pc:docMkLst>
         <pc:docMk/>
       </pc:docMkLst>
-      <pc:sldChg chg="modSp mod">
-        <pc:chgData name="Rhys Davies" userId="a8f146e6-e95e-409b-8bd0-39e0f634a622" providerId="ADAL" clId="{D9084F09-7D0E-45B7-AF97-C478B57CAA59}" dt="2024-04-09T09:17:24.389" v="6" actId="1076"/>
+      <pc:sldChg chg="addSp modSp mod">
+        <pc:chgData name="Rhys Davies" userId="a8f146e6-e95e-409b-8bd0-39e0f634a622" providerId="ADAL" clId="{D9084F09-7D0E-45B7-AF97-C478B57CAA59}" dt="2024-04-11T08:42:44.745" v="2561" actId="1076"/>
         <pc:sldMkLst>
           <pc:docMk/>
           <pc:sldMk cId="0" sldId="257"/>
@@ -141,6 +146,14 @@
             <pc:docMk/>
             <pc:sldMk cId="0" sldId="257"/>
             <ac:spMk id="2" creationId="{C27D4547-FFAA-413D-A336-947DCEBE16E3}"/>
+          </ac:spMkLst>
+        </pc:spChg>
+        <pc:spChg chg="add mod">
+          <ac:chgData name="Rhys Davies" userId="a8f146e6-e95e-409b-8bd0-39e0f634a622" providerId="ADAL" clId="{D9084F09-7D0E-45B7-AF97-C478B57CAA59}" dt="2024-04-11T08:42:44.745" v="2561" actId="1076"/>
+          <ac:spMkLst>
+            <pc:docMk/>
+            <pc:sldMk cId="0" sldId="257"/>
+            <ac:spMk id="4" creationId="{271BB9EB-604C-5DE2-68A3-D61824A3A0B1}"/>
           </ac:spMkLst>
         </pc:spChg>
       </pc:sldChg>
@@ -470,7 +483,7 @@
             <a:fld id="{9F30029C-15BF-4E65-861D-5806B7DAD8C3}" type="datetime1">
               <a:rPr lang="en-GB"/>
               <a:pPr lvl="0"/>
-              <a:t>09/04/2024</a:t>
+              <a:t>11/04/2024</a:t>
             </a:fld>
             <a:endParaRPr lang="en-GB"/>
           </a:p>
@@ -707,7 +720,7 @@
             <a:fld id="{D7A27C99-E79D-4B7F-AC76-C68D68382472}" type="datetime1">
               <a:rPr lang="en-GB"/>
               <a:pPr lvl="0"/>
-              <a:t>09/04/2024</a:t>
+              <a:t>11/04/2024</a:t>
             </a:fld>
             <a:endParaRPr lang="en-GB"/>
           </a:p>
@@ -953,7 +966,7 @@
             <a:fld id="{FC344A75-13CE-4C2B-85D8-6C3510DCEDF5}" type="datetime1">
               <a:rPr lang="en-GB"/>
               <a:pPr lvl="0"/>
-              <a:t>09/04/2024</a:t>
+              <a:t>11/04/2024</a:t>
             </a:fld>
             <a:endParaRPr lang="en-GB"/>
           </a:p>
@@ -1189,7 +1202,7 @@
             <a:fld id="{D3D99BAA-B6DC-4D35-A736-10162E5173C9}" type="datetime1">
               <a:rPr lang="en-GB"/>
               <a:pPr lvl="0"/>
-              <a:t>09/04/2024</a:t>
+              <a:t>11/04/2024</a:t>
             </a:fld>
             <a:endParaRPr lang="en-GB"/>
           </a:p>
@@ -1400,7 +1413,7 @@
             <a:fld id="{214AEBD6-7666-4BCE-B8E0-92B05A9C65EF}" type="datetime1">
               <a:rPr lang="en-GB"/>
               <a:pPr lvl="0"/>
-              <a:t>09/04/2024</a:t>
+              <a:t>11/04/2024</a:t>
             </a:fld>
             <a:endParaRPr lang="en-GB"/>
           </a:p>
@@ -1720,7 +1733,7 @@
             <a:fld id="{7780BC98-D367-4ADC-8302-AFB0AE281F9A}" type="datetime1">
               <a:rPr lang="en-GB"/>
               <a:pPr lvl="0"/>
-              <a:t>09/04/2024</a:t>
+              <a:t>11/04/2024</a:t>
             </a:fld>
             <a:endParaRPr lang="en-GB"/>
           </a:p>
@@ -2123,7 +2136,7 @@
             <a:fld id="{76AA9DF1-7702-46DA-89BE-AB411E94B767}" type="datetime1">
               <a:rPr lang="en-GB"/>
               <a:pPr lvl="0"/>
-              <a:t>09/04/2024</a:t>
+              <a:t>11/04/2024</a:t>
             </a:fld>
             <a:endParaRPr lang="en-GB"/>
           </a:p>
@@ -2285,7 +2298,7 @@
             <a:fld id="{63A44F98-1C99-4304-AE7B-542AB079CC84}" type="datetime1">
               <a:rPr lang="en-GB"/>
               <a:pPr lvl="0"/>
-              <a:t>09/04/2024</a:t>
+              <a:t>11/04/2024</a:t>
             </a:fld>
             <a:endParaRPr lang="en-GB"/>
           </a:p>
@@ -2413,7 +2426,7 @@
             <a:fld id="{FFDB5BD7-6C36-4DAE-9045-F371C24DC114}" type="datetime1">
               <a:rPr lang="en-GB"/>
               <a:pPr lvl="0"/>
-              <a:t>09/04/2024</a:t>
+              <a:t>11/04/2024</a:t>
             </a:fld>
             <a:endParaRPr lang="en-GB"/>
           </a:p>
@@ -2698,7 +2711,7 @@
             <a:fld id="{B5740234-5FD9-4358-8F89-97876517A69C}" type="datetime1">
               <a:rPr lang="en-GB"/>
               <a:pPr lvl="0"/>
-              <a:t>09/04/2024</a:t>
+              <a:t>11/04/2024</a:t>
             </a:fld>
             <a:endParaRPr lang="en-GB"/>
           </a:p>
@@ -2940,7 +2953,7 @@
             <a:fld id="{2A42DC10-51B6-43E2-B139-0508764940C2}" type="datetime1">
               <a:rPr lang="en-GB"/>
               <a:pPr lvl="0"/>
-              <a:t>09/04/2024</a:t>
+              <a:t>11/04/2024</a:t>
             </a:fld>
             <a:endParaRPr lang="en-GB"/>
           </a:p>
@@ -3223,7 +3236,7 @@
             <a:fld id="{8354E8B0-8586-4262-8D84-22167BDD235B}" type="datetime1">
               <a:rPr lang="en-GB"/>
               <a:pPr lvl="0"/>
-              <a:t>09/04/2024</a:t>
+              <a:t>11/04/2024</a:t>
             </a:fld>
             <a:endParaRPr lang="en-GB"/>
           </a:p>
@@ -3894,6 +3907,44 @@
           </a:prstGeom>
         </p:spPr>
       </p:pic>
+      <p:sp>
+        <p:nvSpPr>
+          <p:cNvPr id="4" name="TextBox 3">
+            <a:extLst>
+              <a:ext uri="{FF2B5EF4-FFF2-40B4-BE49-F238E27FC236}">
+                <a16:creationId xmlns:a16="http://schemas.microsoft.com/office/drawing/2014/main" id="{271BB9EB-604C-5DE2-68A3-D61824A3A0B1}"/>
+              </a:ext>
+            </a:extLst>
+          </p:cNvPr>
+          <p:cNvSpPr txBox="1"/>
+          <p:nvPr/>
+        </p:nvSpPr>
+        <p:spPr>
+          <a:xfrm>
+            <a:off x="8652510" y="6172831"/>
+            <a:ext cx="3131820" cy="369332"/>
+          </a:xfrm>
+          <a:prstGeom prst="rect">
+            <a:avLst/>
+          </a:prstGeom>
+          <a:noFill/>
+        </p:spPr>
+        <p:txBody>
+          <a:bodyPr wrap="square" rtlCol="0">
+            <a:spAutoFit/>
+          </a:bodyPr>
+          <a:lstStyle/>
+          <a:p>
+            <a:r>
+              <a:rPr lang="en-GB" dirty="0">
+                <a:hlinkClick r:id="rId3"/>
+              </a:rPr>
+              <a:t>Our own analysis webpage!</a:t>
+            </a:r>
+            <a:endParaRPr lang="en-GB" dirty="0"/>
+          </a:p>
+        </p:txBody>
+      </p:sp>
     </p:spTree>
   </p:cSld>
   <p:clrMapOvr>
